--- a/slides/Linear Regerssion.pptx
+++ b/slides/Linear Regerssion.pptx
@@ -5,7 +5,7 @@
     <p:sldMasterId id="2147483648" r:id="rId1"/>
   </p:sldMasterIdLst>
   <p:notesMasterIdLst>
-    <p:notesMasterId r:id="rId38"/>
+    <p:notesMasterId r:id="rId40"/>
   </p:notesMasterIdLst>
   <p:sldIdLst>
     <p:sldId id="256" r:id="rId2"/>
@@ -44,6 +44,8 @@
     <p:sldId id="337" r:id="rId35"/>
     <p:sldId id="338" r:id="rId36"/>
     <p:sldId id="385" r:id="rId37"/>
+    <p:sldId id="386" r:id="rId38"/>
+    <p:sldId id="387" r:id="rId39"/>
   </p:sldIdLst>
   <p:sldSz cx="12192000" cy="6858000"/>
   <p:notesSz cx="6858000" cy="9144000"/>
@@ -29180,9 +29182,21 @@
         </p:nvSpPr>
         <p:spPr/>
         <p:txBody>
-          <a:bodyPr/>
+          <a:bodyPr>
+            <a:normAutofit/>
+          </a:bodyPr>
           <a:lstStyle/>
           <a:p>
+            <a:r>
+              <a:rPr lang="en-US" b="0" i="0" dirty="0">
+                <a:solidFill>
+                  <a:srgbClr val="000000"/>
+                </a:solidFill>
+                <a:effectLst/>
+                <a:latin typeface="Segoe UI" panose="020B0502040204020203" pitchFamily="34" charset="0"/>
+              </a:rPr>
+              <a:t>Polynomial Regression</a:t>
+            </a:r>
             <a:endParaRPr lang="en-US" dirty="0"/>
           </a:p>
         </p:txBody>
@@ -29208,7 +29222,33 @@
           <a:bodyPr/>
           <a:lstStyle/>
           <a:p>
-            <a:endParaRPr lang="en-US"/>
+            <a:pPr algn="l"/>
+            <a:r>
+              <a:rPr lang="en-US" b="0" i="0" dirty="0">
+                <a:solidFill>
+                  <a:srgbClr val="000000"/>
+                </a:solidFill>
+                <a:effectLst/>
+                <a:latin typeface="Verdana" panose="020B0604030504040204" pitchFamily="34" charset="0"/>
+              </a:rPr>
+              <a:t>If your data points clearly will not fit a linear regression (a straight line through all data points), it might be ideal for polynomial regression.</a:t>
+            </a:r>
+          </a:p>
+          <a:p>
+            <a:pPr algn="l"/>
+            <a:r>
+              <a:rPr lang="en-US" b="0" i="0" dirty="0">
+                <a:solidFill>
+                  <a:srgbClr val="000000"/>
+                </a:solidFill>
+                <a:effectLst/>
+                <a:latin typeface="Verdana" panose="020B0604030504040204" pitchFamily="34" charset="0"/>
+              </a:rPr>
+              <a:t>Polynomial regression, like linear regression, uses the relationship between the variables x and y to find the best way to draw a line through the data points.</a:t>
+            </a:r>
+          </a:p>
+          <a:p>
+            <a:endParaRPr lang="en-US" dirty="0"/>
           </a:p>
         </p:txBody>
       </p:sp>
@@ -29216,6 +29256,241 @@
     <p:extLst>
       <p:ext uri="{BB962C8B-B14F-4D97-AF65-F5344CB8AC3E}">
         <p14:creationId xmlns:p14="http://schemas.microsoft.com/office/powerpoint/2010/main" val="2627972185"/>
+      </p:ext>
+    </p:extLst>
+  </p:cSld>
+  <p:clrMapOvr>
+    <a:masterClrMapping/>
+  </p:clrMapOvr>
+</p:sld>
+</file>
+
+<file path=ppt/slides/slide37.xml><?xml version="1.0" encoding="utf-8"?>
+<p:sld xmlns:a="http://schemas.openxmlformats.org/drawingml/2006/main" xmlns:r="http://schemas.openxmlformats.org/officeDocument/2006/relationships" xmlns:p="http://schemas.openxmlformats.org/presentationml/2006/main">
+  <p:cSld>
+    <p:spTree>
+      <p:nvGrpSpPr>
+        <p:cNvPr id="1" name=""/>
+        <p:cNvGrpSpPr/>
+        <p:nvPr/>
+      </p:nvGrpSpPr>
+      <p:grpSpPr>
+        <a:xfrm>
+          <a:off x="0" y="0"/>
+          <a:ext cx="0" cy="0"/>
+          <a:chOff x="0" y="0"/>
+          <a:chExt cx="0" cy="0"/>
+        </a:xfrm>
+      </p:grpSpPr>
+      <p:sp>
+        <p:nvSpPr>
+          <p:cNvPr id="2" name="Title 1">
+            <a:extLst>
+              <a:ext uri="{FF2B5EF4-FFF2-40B4-BE49-F238E27FC236}">
+                <a16:creationId xmlns:a16="http://schemas.microsoft.com/office/drawing/2014/main" id="{74B9BD77-CE00-FCC5-741F-EA77E459FF28}"/>
+              </a:ext>
+            </a:extLst>
+          </p:cNvPr>
+          <p:cNvSpPr>
+            <a:spLocks noGrp="1"/>
+          </p:cNvSpPr>
+          <p:nvPr>
+            <p:ph type="title"/>
+          </p:nvPr>
+        </p:nvSpPr>
+        <p:spPr/>
+        <p:txBody>
+          <a:bodyPr/>
+          <a:lstStyle/>
+          <a:p>
+            <a:r>
+              <a:rPr lang="en-US" b="0" i="0" dirty="0">
+                <a:solidFill>
+                  <a:srgbClr val="000000"/>
+                </a:solidFill>
+                <a:effectLst/>
+                <a:latin typeface="Segoe UI" panose="020B0502040204020203" pitchFamily="34" charset="0"/>
+              </a:rPr>
+              <a:t>Polynomial Regression</a:t>
+            </a:r>
+            <a:endParaRPr lang="en-US" dirty="0"/>
+          </a:p>
+        </p:txBody>
+      </p:sp>
+      <p:pic>
+        <p:nvPicPr>
+          <p:cNvPr id="1026" name="Picture 2">
+            <a:extLst>
+              <a:ext uri="{FF2B5EF4-FFF2-40B4-BE49-F238E27FC236}">
+                <a16:creationId xmlns:a16="http://schemas.microsoft.com/office/drawing/2014/main" id="{BDD8A128-D9C2-50A1-D0E6-B885F2824B1C}"/>
+              </a:ext>
+            </a:extLst>
+          </p:cNvPr>
+          <p:cNvPicPr>
+            <a:picLocks noChangeAspect="1" noChangeArrowheads="1"/>
+          </p:cNvPicPr>
+          <p:nvPr/>
+        </p:nvPicPr>
+        <p:blipFill rotWithShape="1">
+          <a:blip r:embed="rId2">
+            <a:extLst>
+              <a:ext uri="{28A0092B-C50C-407E-A947-70E740481C1C}">
+                <a14:useLocalDpi xmlns:a14="http://schemas.microsoft.com/office/drawing/2010/main" val="0"/>
+              </a:ext>
+            </a:extLst>
+          </a:blip>
+          <a:srcRect l="6483" t="10465" r="8090" b="5430"/>
+          <a:stretch/>
+        </p:blipFill>
+        <p:spPr bwMode="auto">
+          <a:xfrm>
+            <a:off x="6031685" y="1937857"/>
+            <a:ext cx="5964572" cy="4404220"/>
+          </a:xfrm>
+          <a:prstGeom prst="rect">
+            <a:avLst/>
+          </a:prstGeom>
+          <a:noFill/>
+          <a:extLst>
+            <a:ext uri="{909E8E84-426E-40DD-AFC4-6F175D3DCCD1}">
+              <a14:hiddenFill xmlns:a14="http://schemas.microsoft.com/office/drawing/2010/main">
+                <a:solidFill>
+                  <a:srgbClr val="FFFFFF"/>
+                </a:solidFill>
+              </a14:hiddenFill>
+            </a:ext>
+          </a:extLst>
+        </p:spPr>
+      </p:pic>
+      <p:pic>
+        <p:nvPicPr>
+          <p:cNvPr id="1028" name="Picture 4">
+            <a:extLst>
+              <a:ext uri="{FF2B5EF4-FFF2-40B4-BE49-F238E27FC236}">
+                <a16:creationId xmlns:a16="http://schemas.microsoft.com/office/drawing/2014/main" id="{25FC06E0-8E2D-B8CD-430B-86D826351848}"/>
+              </a:ext>
+            </a:extLst>
+          </p:cNvPr>
+          <p:cNvPicPr>
+            <a:picLocks noChangeAspect="1" noChangeArrowheads="1"/>
+          </p:cNvPicPr>
+          <p:nvPr/>
+        </p:nvPicPr>
+        <p:blipFill rotWithShape="1">
+          <a:blip r:embed="rId3">
+            <a:extLst>
+              <a:ext uri="{28A0092B-C50C-407E-A947-70E740481C1C}">
+                <a14:useLocalDpi xmlns:a14="http://schemas.microsoft.com/office/drawing/2010/main" val="0"/>
+              </a:ext>
+            </a:extLst>
+          </a:blip>
+          <a:srcRect l="5684" t="9802" r="7987" b="4241"/>
+          <a:stretch/>
+        </p:blipFill>
+        <p:spPr bwMode="auto">
+          <a:xfrm>
+            <a:off x="282101" y="2052536"/>
+            <a:ext cx="5749584" cy="4293590"/>
+          </a:xfrm>
+          <a:prstGeom prst="rect">
+            <a:avLst/>
+          </a:prstGeom>
+          <a:noFill/>
+          <a:extLst>
+            <a:ext uri="{909E8E84-426E-40DD-AFC4-6F175D3DCCD1}">
+              <a14:hiddenFill xmlns:a14="http://schemas.microsoft.com/office/drawing/2010/main">
+                <a:solidFill>
+                  <a:srgbClr val="FFFFFF"/>
+                </a:solidFill>
+              </a14:hiddenFill>
+            </a:ext>
+          </a:extLst>
+        </p:spPr>
+      </p:pic>
+    </p:spTree>
+    <p:extLst>
+      <p:ext uri="{BB962C8B-B14F-4D97-AF65-F5344CB8AC3E}">
+        <p14:creationId xmlns:p14="http://schemas.microsoft.com/office/powerpoint/2010/main" val="3825878998"/>
+      </p:ext>
+    </p:extLst>
+  </p:cSld>
+  <p:clrMapOvr>
+    <a:masterClrMapping/>
+  </p:clrMapOvr>
+</p:sld>
+</file>
+
+<file path=ppt/slides/slide38.xml><?xml version="1.0" encoding="utf-8"?>
+<p:sld xmlns:a="http://schemas.openxmlformats.org/drawingml/2006/main" xmlns:r="http://schemas.openxmlformats.org/officeDocument/2006/relationships" xmlns:p="http://schemas.openxmlformats.org/presentationml/2006/main">
+  <p:cSld>
+    <p:spTree>
+      <p:nvGrpSpPr>
+        <p:cNvPr id="1" name=""/>
+        <p:cNvGrpSpPr/>
+        <p:nvPr/>
+      </p:nvGrpSpPr>
+      <p:grpSpPr>
+        <a:xfrm>
+          <a:off x="0" y="0"/>
+          <a:ext cx="0" cy="0"/>
+          <a:chOff x="0" y="0"/>
+          <a:chExt cx="0" cy="0"/>
+        </a:xfrm>
+      </p:grpSpPr>
+      <p:sp>
+        <p:nvSpPr>
+          <p:cNvPr id="2" name="Title 1">
+            <a:extLst>
+              <a:ext uri="{FF2B5EF4-FFF2-40B4-BE49-F238E27FC236}">
+                <a16:creationId xmlns:a16="http://schemas.microsoft.com/office/drawing/2014/main" id="{218359D2-8C02-0366-05FB-C461581D8368}"/>
+              </a:ext>
+            </a:extLst>
+          </p:cNvPr>
+          <p:cNvSpPr>
+            <a:spLocks noGrp="1"/>
+          </p:cNvSpPr>
+          <p:nvPr>
+            <p:ph type="title"/>
+          </p:nvPr>
+        </p:nvSpPr>
+        <p:spPr/>
+        <p:txBody>
+          <a:bodyPr/>
+          <a:lstStyle/>
+          <a:p>
+            <a:endParaRPr lang="en-US"/>
+          </a:p>
+        </p:txBody>
+      </p:sp>
+      <p:sp>
+        <p:nvSpPr>
+          <p:cNvPr id="3" name="Content Placeholder 2">
+            <a:extLst>
+              <a:ext uri="{FF2B5EF4-FFF2-40B4-BE49-F238E27FC236}">
+                <a16:creationId xmlns:a16="http://schemas.microsoft.com/office/drawing/2014/main" id="{E33C1B4B-EB40-0278-4348-1971F2712266}"/>
+              </a:ext>
+            </a:extLst>
+          </p:cNvPr>
+          <p:cNvSpPr>
+            <a:spLocks noGrp="1"/>
+          </p:cNvSpPr>
+          <p:nvPr>
+            <p:ph idx="1"/>
+          </p:nvPr>
+        </p:nvSpPr>
+        <p:spPr/>
+        <p:txBody>
+          <a:bodyPr/>
+          <a:lstStyle/>
+          <a:p>
+            <a:endParaRPr lang="en-US"/>
+          </a:p>
+        </p:txBody>
+      </p:sp>
+    </p:spTree>
+    <p:extLst>
+      <p:ext uri="{BB962C8B-B14F-4D97-AF65-F5344CB8AC3E}">
+        <p14:creationId xmlns:p14="http://schemas.microsoft.com/office/powerpoint/2010/main" val="4065146990"/>
       </p:ext>
     </p:extLst>
   </p:cSld>
